--- a/topic12/talk-1/Testing-Web-APIs.pptx
+++ b/topic12/talk-1/Testing-Web-APIs.pptx
@@ -6286,7 +6286,7 @@
           <a:p>
             <a:fld id="{1160EA64-D806-43AC-9DF2-F8C432F32B4C}" type="datetimeFigureOut">
               <a:rPr lang="en-US" dirty="0"/>
-              <a:t>4/26/2022</a:t>
+              <a:t>4/25/2023</a:t>
             </a:fld>
             <a:endParaRPr lang="en-US" dirty="0"/>
           </a:p>
@@ -6452,7 +6452,7 @@
           <a:p>
             <a:fld id="{E9F9C37B-1D36-470B-8223-D6C91242EC14}" type="datetimeFigureOut">
               <a:rPr lang="en-US" dirty="0"/>
-              <a:t>4/26/2022</a:t>
+              <a:t>4/25/2023</a:t>
             </a:fld>
             <a:endParaRPr lang="en-US" dirty="0"/>
           </a:p>
@@ -6627,7 +6627,7 @@
           <a:p>
             <a:fld id="{67C6F52A-A82B-47A2-A83A-8C4C91F2D59F}" type="datetimeFigureOut">
               <a:rPr lang="en-US" dirty="0"/>
-              <a:t>4/26/2022</a:t>
+              <a:t>4/25/2023</a:t>
             </a:fld>
             <a:endParaRPr lang="en-US" dirty="0"/>
           </a:p>
@@ -6792,7 +6792,7 @@
           <a:p>
             <a:fld id="{F070A7B3-6521-4DCA-87E5-044747A908C1}" type="datetimeFigureOut">
               <a:rPr lang="en-US" dirty="0"/>
-              <a:t>4/26/2022</a:t>
+              <a:t>4/25/2023</a:t>
             </a:fld>
             <a:endParaRPr lang="en-US" dirty="0"/>
           </a:p>
@@ -7056,7 +7056,7 @@
           <a:p>
             <a:fld id="{1160EA64-D806-43AC-9DF2-F8C432F32B4C}" type="datetimeFigureOut">
               <a:rPr lang="en-US" dirty="0"/>
-              <a:t>4/26/2022</a:t>
+              <a:t>4/25/2023</a:t>
             </a:fld>
             <a:endParaRPr lang="en-US" dirty="0"/>
           </a:p>
@@ -7284,7 +7284,7 @@
           <a:p>
             <a:fld id="{AB134690-1557-4C89-A502-4959FE7FAD70}" type="datetimeFigureOut">
               <a:rPr lang="en-US" dirty="0"/>
-              <a:t>4/26/2022</a:t>
+              <a:t>4/25/2023</a:t>
             </a:fld>
             <a:endParaRPr lang="en-US" dirty="0"/>
           </a:p>
@@ -7638,7 +7638,7 @@
           <a:p>
             <a:fld id="{4F7D4976-E339-4826-83B7-FBD03F55ECF8}" type="datetimeFigureOut">
               <a:rPr lang="en-US" dirty="0"/>
-              <a:t>4/26/2022</a:t>
+              <a:t>4/25/2023</a:t>
             </a:fld>
             <a:endParaRPr lang="en-US" dirty="0"/>
           </a:p>
@@ -7774,7 +7774,7 @@
           <a:p>
             <a:fld id="{E1037C31-9E7A-4F99-8774-A0E530DE1A42}" type="datetimeFigureOut">
               <a:rPr lang="en-US" dirty="0"/>
-              <a:t>4/26/2022</a:t>
+              <a:t>4/25/2023</a:t>
             </a:fld>
             <a:endParaRPr lang="en-US" dirty="0"/>
           </a:p>
@@ -7864,7 +7864,7 @@
           <a:p>
             <a:fld id="{C278504F-A551-4DE0-9316-4DCD1D8CC752}" type="datetimeFigureOut">
               <a:rPr lang="en-US" dirty="0"/>
-              <a:t>4/26/2022</a:t>
+              <a:t>4/25/2023</a:t>
             </a:fld>
             <a:endParaRPr lang="en-US" dirty="0"/>
           </a:p>
@@ -8216,7 +8216,7 @@
           <a:p>
             <a:fld id="{D1BE4249-C0D0-4B06-8692-E8BB871AF643}" type="datetimeFigureOut">
               <a:rPr lang="en-US" dirty="0"/>
-              <a:t>4/26/2022</a:t>
+              <a:t>4/25/2023</a:t>
             </a:fld>
             <a:endParaRPr lang="en-US" dirty="0"/>
           </a:p>
@@ -8568,7 +8568,7 @@
           <a:p>
             <a:fld id="{042B0DB6-F5C7-45FB-8CF3-31B45F9C2DAC}" type="datetimeFigureOut">
               <a:rPr lang="en-US" dirty="0"/>
-              <a:t>4/26/2022</a:t>
+              <a:t>4/25/2023</a:t>
             </a:fld>
             <a:endParaRPr lang="en-US" dirty="0"/>
           </a:p>
@@ -8804,7 +8804,7 @@
           <a:p>
             <a:fld id="{1160EA64-D806-43AC-9DF2-F8C432F32B4C}" type="datetimeFigureOut">
               <a:rPr lang="en-US" dirty="0"/>
-              <a:t>4/26/2022</a:t>
+              <a:t>4/25/2023</a:t>
             </a:fld>
             <a:endParaRPr lang="en-US" dirty="0"/>
           </a:p>
@@ -9678,7 +9678,7 @@
             <a:pPr lvl="1"/>
             <a:r>
               <a:rPr lang="en-IE" dirty="0"/>
-              <a:t>Regression: check everything still works when you make a change and before committing</a:t>
+              <a:t>Regression Testing: check everything still works when you make a change and before committing</a:t>
             </a:r>
           </a:p>
           <a:p>
@@ -10557,7 +10557,7 @@
         </p:spPr>
         <p:txBody>
           <a:bodyPr vert="horz" lIns="91440" tIns="45720" rIns="91440" bIns="45720" rtlCol="0">
-            <a:normAutofit/>
+            <a:normAutofit fontScale="62500" lnSpcReduction="20000"/>
           </a:bodyPr>
           <a:lstStyle/>
           <a:p>
@@ -10657,45 +10657,206 @@
             <p:ph sz="half" idx="2"/>
           </p:nvPr>
         </p:nvSpPr>
-        <p:spPr/>
-        <p:txBody>
-          <a:bodyPr/>
-          <a:lstStyle/>
-          <a:p>
-            <a:endParaRPr lang="en-IE"/>
-          </a:p>
-        </p:txBody>
-      </p:sp>
-      <p:pic>
-        <p:nvPicPr>
-          <p:cNvPr id="8" name="Picture 7">
-            <a:extLst>
-              <a:ext uri="{FF2B5EF4-FFF2-40B4-BE49-F238E27FC236}">
-                <a16:creationId xmlns:a16="http://schemas.microsoft.com/office/drawing/2014/main" id="{C580833A-2739-409E-A1AC-F2A3914C26A6}"/>
-              </a:ext>
-            </a:extLst>
-          </p:cNvPr>
-          <p:cNvPicPr>
-            <a:picLocks noChangeAspect="1"/>
-          </p:cNvPicPr>
-          <p:nvPr/>
-        </p:nvPicPr>
-        <p:blipFill>
-          <a:blip r:embed="rId2"/>
-          <a:stretch>
-            <a:fillRect/>
-          </a:stretch>
-        </p:blipFill>
         <p:spPr>
           <a:xfrm>
-            <a:off x="4920688" y="2153412"/>
-            <a:ext cx="6244493" cy="1983650"/>
+            <a:off x="4790026" y="1224396"/>
+            <a:ext cx="5766154" cy="4274794"/>
           </a:xfrm>
-          <a:prstGeom prst="rect">
-            <a:avLst/>
-          </a:prstGeom>
+          <a:solidFill>
+            <a:schemeClr val="bg1"/>
+          </a:solidFill>
         </p:spPr>
-      </p:pic>
+        <p:txBody>
+          <a:bodyPr>
+            <a:normAutofit fontScale="62500" lnSpcReduction="20000"/>
+          </a:bodyPr>
+          <a:lstStyle/>
+          <a:p>
+            <a:pPr marL="0" indent="0">
+              <a:buNone/>
+            </a:pPr>
+            <a:r>
+              <a:rPr lang="en-IE" dirty="0"/>
+              <a:t>import chai from ‘chai’; </a:t>
+            </a:r>
+          </a:p>
+          <a:p>
+            <a:pPr marL="0" indent="0">
+              <a:buNone/>
+            </a:pPr>
+            <a:r>
+              <a:rPr lang="en-IE" dirty="0" err="1"/>
+              <a:t>const</a:t>
+            </a:r>
+            <a:r>
+              <a:rPr lang="en-IE" dirty="0"/>
+              <a:t> expect = </a:t>
+            </a:r>
+            <a:r>
+              <a:rPr lang="en-IE" dirty="0" err="1"/>
+              <a:t>chai.expect</a:t>
+            </a:r>
+            <a:r>
+              <a:rPr lang="en-IE" dirty="0"/>
+              <a:t>;</a:t>
+            </a:r>
+          </a:p>
+          <a:p>
+            <a:pPr marL="0" indent="0">
+              <a:buNone/>
+            </a:pPr>
+            <a:endParaRPr lang="en-IE" dirty="0"/>
+          </a:p>
+          <a:p>
+            <a:pPr marL="0" indent="0">
+              <a:buNone/>
+            </a:pPr>
+            <a:r>
+              <a:rPr lang="en-IE" dirty="0"/>
+              <a:t>function add(a, b) {</a:t>
+            </a:r>
+          </a:p>
+          <a:p>
+            <a:pPr marL="0" indent="0">
+              <a:buNone/>
+            </a:pPr>
+            <a:r>
+              <a:rPr lang="en-IE" dirty="0"/>
+              <a:t>  return a + b;</a:t>
+            </a:r>
+          </a:p>
+          <a:p>
+            <a:pPr marL="0" indent="0">
+              <a:buNone/>
+            </a:pPr>
+            <a:r>
+              <a:rPr lang="en-IE" dirty="0"/>
+              <a:t>}</a:t>
+            </a:r>
+          </a:p>
+          <a:p>
+            <a:pPr marL="0" indent="0">
+              <a:buNone/>
+            </a:pPr>
+            <a:endParaRPr lang="en-IE" dirty="0"/>
+          </a:p>
+          <a:p>
+            <a:pPr marL="0" indent="0">
+              <a:buNone/>
+            </a:pPr>
+            <a:r>
+              <a:rPr lang="en-IE" dirty="0" err="1"/>
+              <a:t>const</a:t>
+            </a:r>
+            <a:r>
+              <a:rPr lang="en-IE" dirty="0"/>
+              <a:t> num1 = 5;</a:t>
+            </a:r>
+          </a:p>
+          <a:p>
+            <a:pPr marL="0" indent="0">
+              <a:buNone/>
+            </a:pPr>
+            <a:r>
+              <a:rPr lang="en-IE" dirty="0" err="1"/>
+              <a:t>const</a:t>
+            </a:r>
+            <a:r>
+              <a:rPr lang="en-IE" dirty="0"/>
+              <a:t> num2 = 3;</a:t>
+            </a:r>
+          </a:p>
+          <a:p>
+            <a:pPr marL="0" indent="0">
+              <a:buNone/>
+            </a:pPr>
+            <a:r>
+              <a:rPr lang="en-IE" dirty="0" err="1"/>
+              <a:t>const</a:t>
+            </a:r>
+            <a:r>
+              <a:rPr lang="en-IE" dirty="0"/>
+              <a:t> </a:t>
+            </a:r>
+            <a:r>
+              <a:rPr lang="en-IE" dirty="0" err="1"/>
+              <a:t>expectedResult</a:t>
+            </a:r>
+            <a:r>
+              <a:rPr lang="en-IE" dirty="0"/>
+              <a:t> = 8;</a:t>
+            </a:r>
+          </a:p>
+          <a:p>
+            <a:pPr marL="0" indent="0">
+              <a:buNone/>
+            </a:pPr>
+            <a:endParaRPr lang="en-IE" dirty="0"/>
+          </a:p>
+          <a:p>
+            <a:pPr marL="0" indent="0">
+              <a:buNone/>
+            </a:pPr>
+            <a:r>
+              <a:rPr lang="en-IE" dirty="0" err="1"/>
+              <a:t>const</a:t>
+            </a:r>
+            <a:r>
+              <a:rPr lang="en-IE" dirty="0"/>
+              <a:t> result = add(num1, num2);</a:t>
+            </a:r>
+          </a:p>
+          <a:p>
+            <a:pPr marL="0" indent="0">
+              <a:buNone/>
+            </a:pPr>
+            <a:endParaRPr lang="en-IE" dirty="0"/>
+          </a:p>
+          <a:p>
+            <a:pPr marL="0" indent="0">
+              <a:buNone/>
+            </a:pPr>
+            <a:r>
+              <a:rPr lang="en-IE" dirty="0"/>
+              <a:t>expect(result).</a:t>
+            </a:r>
+            <a:r>
+              <a:rPr lang="en-IE" dirty="0" err="1"/>
+              <a:t>to.equal</a:t>
+            </a:r>
+            <a:r>
+              <a:rPr lang="en-IE" dirty="0"/>
+              <a:t>(</a:t>
+            </a:r>
+            <a:r>
+              <a:rPr lang="en-IE" dirty="0" err="1"/>
+              <a:t>expectedResult</a:t>
+            </a:r>
+            <a:r>
+              <a:rPr lang="en-IE" dirty="0"/>
+              <a:t>);</a:t>
+            </a:r>
+          </a:p>
+          <a:p>
+            <a:pPr marL="0" indent="0">
+              <a:buNone/>
+            </a:pPr>
+            <a:r>
+              <a:rPr lang="en-IE" dirty="0"/>
+              <a:t>  });</a:t>
+            </a:r>
+          </a:p>
+          <a:p>
+            <a:pPr marL="0" indent="0">
+              <a:buNone/>
+            </a:pPr>
+            <a:r>
+              <a:rPr lang="en-IE" dirty="0"/>
+              <a:t>});</a:t>
+            </a:r>
+          </a:p>
+        </p:txBody>
+      </p:sp>
     </p:spTree>
     <p:extLst>
       <p:ext uri="{BB962C8B-B14F-4D97-AF65-F5344CB8AC3E}">
@@ -10972,11 +11133,19 @@
           <a:p>
             <a:r>
               <a:rPr lang="en-IE" dirty="0"/>
-              <a:t>Provide description of unit test using </a:t>
+              <a:t>Provide description of test using </a:t>
             </a:r>
             <a:r>
               <a:rPr lang="en-IE" b="1" dirty="0"/>
-              <a:t>“test” </a:t>
+              <a:t>“</a:t>
+            </a:r>
+            <a:r>
+              <a:rPr lang="en-IE" b="1" dirty="0" err="1"/>
+              <a:t>pm.test</a:t>
+            </a:r>
+            <a:r>
+              <a:rPr lang="en-IE" b="1" dirty="0"/>
+              <a:t>” </a:t>
             </a:r>
           </a:p>
           <a:p>
@@ -12425,15 +12594,7 @@
             </a:pPr>
             <a:r>
               <a:rPr lang="en-GB" dirty="0"/>
-              <a:t>Newman is a command-line collection runner for Postman. Can use it to execute your tests from command line and integrate into Continuous Integration/Continuous Delivery </a:t>
-            </a:r>
-            <a:r>
-              <a:rPr lang="en-GB" dirty="0" err="1"/>
-              <a:t>pipline</a:t>
-            </a:r>
-            <a:r>
-              <a:rPr lang="en-GB" dirty="0"/>
-              <a:t>.</a:t>
+              <a:t>Newman is a command-line collection runner for Postman. Can use it to execute your tests from command line and integrate into Continuous Integration/Continuous Delivery pipeline.</a:t>
             </a:r>
           </a:p>
           <a:p>
@@ -15279,26 +15440,34 @@
           <a:lstStyle/>
           <a:p>
             <a:r>
-              <a:rPr lang="en-US"/>
-              <a:t>Combines several units into a test</a:t>
-            </a:r>
-          </a:p>
-          <a:p>
-            <a:r>
-              <a:rPr lang="en-US"/>
-              <a:t>Exposes faults in interaction between integrated units</a:t>
-            </a:r>
-          </a:p>
-          <a:p>
-            <a:r>
-              <a:rPr lang="en-US"/>
+              <a:rPr lang="en-US" dirty="0"/>
+              <a:t>Combines several components into a test</a:t>
+            </a:r>
+          </a:p>
+          <a:p>
+            <a:r>
+              <a:rPr lang="en-US" dirty="0"/>
+              <a:t>Exposes faults in interaction between integrated components</a:t>
+            </a:r>
+          </a:p>
+          <a:p>
+            <a:r>
+              <a:rPr lang="en-US" dirty="0"/>
               <a:t>Usually done after unit testing</a:t>
             </a:r>
           </a:p>
           <a:p>
             <a:r>
-              <a:rPr lang="en-US"/>
-              <a:t>Performed by devs and independent testers</a:t>
+              <a:rPr lang="en-US" dirty="0"/>
+              <a:t>Performed by </a:t>
+            </a:r>
+            <a:r>
+              <a:rPr lang="en-US" dirty="0" err="1"/>
+              <a:t>devs</a:t>
+            </a:r>
+            <a:r>
+              <a:rPr lang="en-US" dirty="0"/>
+              <a:t> and independent testers</a:t>
             </a:r>
           </a:p>
         </p:txBody>

--- a/topic12/talk-1/Testing-Web-APIs.pptx
+++ b/topic12/talk-1/Testing-Web-APIs.pptx
@@ -4,6 +4,9 @@
   <p:sldMasterIdLst>
     <p:sldMasterId id="2147483696" r:id="rId1"/>
   </p:sldMasterIdLst>
+  <p:notesMasterIdLst>
+    <p:notesMasterId r:id="rId31"/>
+  </p:notesMasterIdLst>
   <p:sldIdLst>
     <p:sldId id="256" r:id="rId2"/>
     <p:sldId id="258" r:id="rId3"/>
@@ -6123,6 +6126,871 @@
 </dgm:styleDef>
 </file>
 
+<file path=ppt/notesMasters/notesMaster1.xml><?xml version="1.0" encoding="utf-8"?>
+<p:notesMaster xmlns:a="http://schemas.openxmlformats.org/drawingml/2006/main" xmlns:r="http://schemas.openxmlformats.org/officeDocument/2006/relationships" xmlns:p="http://schemas.openxmlformats.org/presentationml/2006/main">
+  <p:cSld>
+    <p:bg>
+      <p:bgRef idx="1001">
+        <a:schemeClr val="bg1"/>
+      </p:bgRef>
+    </p:bg>
+    <p:spTree>
+      <p:nvGrpSpPr>
+        <p:cNvPr id="1" name=""/>
+        <p:cNvGrpSpPr/>
+        <p:nvPr/>
+      </p:nvGrpSpPr>
+      <p:grpSpPr>
+        <a:xfrm>
+          <a:off x="0" y="0"/>
+          <a:ext cx="0" cy="0"/>
+          <a:chOff x="0" y="0"/>
+          <a:chExt cx="0" cy="0"/>
+        </a:xfrm>
+      </p:grpSpPr>
+      <p:sp>
+        <p:nvSpPr>
+          <p:cNvPr id="2" name="Header Placeholder 1"/>
+          <p:cNvSpPr>
+            <a:spLocks noGrp="1"/>
+          </p:cNvSpPr>
+          <p:nvPr>
+            <p:ph type="hdr" sz="quarter"/>
+          </p:nvPr>
+        </p:nvSpPr>
+        <p:spPr>
+          <a:xfrm>
+            <a:off x="0" y="0"/>
+            <a:ext cx="2971800" cy="458788"/>
+          </a:xfrm>
+          <a:prstGeom prst="rect">
+            <a:avLst/>
+          </a:prstGeom>
+        </p:spPr>
+        <p:txBody>
+          <a:bodyPr vert="horz" lIns="91440" tIns="45720" rIns="91440" bIns="45720" rtlCol="0"/>
+          <a:lstStyle>
+            <a:lvl1pPr algn="l">
+              <a:defRPr sz="1200"/>
+            </a:lvl1pPr>
+          </a:lstStyle>
+          <a:p>
+            <a:endParaRPr lang="en-IE"/>
+          </a:p>
+        </p:txBody>
+      </p:sp>
+      <p:sp>
+        <p:nvSpPr>
+          <p:cNvPr id="3" name="Date Placeholder 2"/>
+          <p:cNvSpPr>
+            <a:spLocks noGrp="1"/>
+          </p:cNvSpPr>
+          <p:nvPr>
+            <p:ph type="dt" idx="1"/>
+          </p:nvPr>
+        </p:nvSpPr>
+        <p:spPr>
+          <a:xfrm>
+            <a:off x="3884613" y="0"/>
+            <a:ext cx="2971800" cy="458788"/>
+          </a:xfrm>
+          <a:prstGeom prst="rect">
+            <a:avLst/>
+          </a:prstGeom>
+        </p:spPr>
+        <p:txBody>
+          <a:bodyPr vert="horz" lIns="91440" tIns="45720" rIns="91440" bIns="45720" rtlCol="0"/>
+          <a:lstStyle>
+            <a:lvl1pPr algn="r">
+              <a:defRPr sz="1200"/>
+            </a:lvl1pPr>
+          </a:lstStyle>
+          <a:p>
+            <a:fld id="{38F39627-067C-4EAA-9247-C21A4B9674F2}" type="datetimeFigureOut">
+              <a:rPr lang="en-IE" smtClean="0"/>
+              <a:t>25/04/2023</a:t>
+            </a:fld>
+            <a:endParaRPr lang="en-IE"/>
+          </a:p>
+        </p:txBody>
+      </p:sp>
+      <p:sp>
+        <p:nvSpPr>
+          <p:cNvPr id="4" name="Slide Image Placeholder 3"/>
+          <p:cNvSpPr>
+            <a:spLocks noGrp="1" noRot="1" noChangeAspect="1"/>
+          </p:cNvSpPr>
+          <p:nvPr>
+            <p:ph type="sldImg" idx="2"/>
+          </p:nvPr>
+        </p:nvSpPr>
+        <p:spPr>
+          <a:xfrm>
+            <a:off x="685800" y="1143000"/>
+            <a:ext cx="5486400" cy="3086100"/>
+          </a:xfrm>
+          <a:prstGeom prst="rect">
+            <a:avLst/>
+          </a:prstGeom>
+          <a:noFill/>
+          <a:ln w="12700">
+            <a:solidFill>
+              <a:prstClr val="black"/>
+            </a:solidFill>
+          </a:ln>
+        </p:spPr>
+        <p:txBody>
+          <a:bodyPr vert="horz" lIns="91440" tIns="45720" rIns="91440" bIns="45720" rtlCol="0" anchor="ctr"/>
+          <a:lstStyle/>
+          <a:p>
+            <a:endParaRPr lang="en-IE"/>
+          </a:p>
+        </p:txBody>
+      </p:sp>
+      <p:sp>
+        <p:nvSpPr>
+          <p:cNvPr id="5" name="Notes Placeholder 4"/>
+          <p:cNvSpPr>
+            <a:spLocks noGrp="1"/>
+          </p:cNvSpPr>
+          <p:nvPr>
+            <p:ph type="body" sz="quarter" idx="3"/>
+          </p:nvPr>
+        </p:nvSpPr>
+        <p:spPr>
+          <a:xfrm>
+            <a:off x="685800" y="4400550"/>
+            <a:ext cx="5486400" cy="3600450"/>
+          </a:xfrm>
+          <a:prstGeom prst="rect">
+            <a:avLst/>
+          </a:prstGeom>
+        </p:spPr>
+        <p:txBody>
+          <a:bodyPr vert="horz" lIns="91440" tIns="45720" rIns="91440" bIns="45720" rtlCol="0"/>
+          <a:lstStyle/>
+          <a:p>
+            <a:pPr lvl="0"/>
+            <a:r>
+              <a:rPr lang="en-US"/>
+              <a:t>Click to edit Master text styles</a:t>
+            </a:r>
+          </a:p>
+          <a:p>
+            <a:pPr lvl="1"/>
+            <a:r>
+              <a:rPr lang="en-US"/>
+              <a:t>Second level</a:t>
+            </a:r>
+          </a:p>
+          <a:p>
+            <a:pPr lvl="2"/>
+            <a:r>
+              <a:rPr lang="en-US"/>
+              <a:t>Third level</a:t>
+            </a:r>
+          </a:p>
+          <a:p>
+            <a:pPr lvl="3"/>
+            <a:r>
+              <a:rPr lang="en-US"/>
+              <a:t>Fourth level</a:t>
+            </a:r>
+          </a:p>
+          <a:p>
+            <a:pPr lvl="4"/>
+            <a:r>
+              <a:rPr lang="en-US"/>
+              <a:t>Fifth level</a:t>
+            </a:r>
+            <a:endParaRPr lang="en-IE"/>
+          </a:p>
+        </p:txBody>
+      </p:sp>
+      <p:sp>
+        <p:nvSpPr>
+          <p:cNvPr id="6" name="Footer Placeholder 5"/>
+          <p:cNvSpPr>
+            <a:spLocks noGrp="1"/>
+          </p:cNvSpPr>
+          <p:nvPr>
+            <p:ph type="ftr" sz="quarter" idx="4"/>
+          </p:nvPr>
+        </p:nvSpPr>
+        <p:spPr>
+          <a:xfrm>
+            <a:off x="0" y="8685213"/>
+            <a:ext cx="2971800" cy="458787"/>
+          </a:xfrm>
+          <a:prstGeom prst="rect">
+            <a:avLst/>
+          </a:prstGeom>
+        </p:spPr>
+        <p:txBody>
+          <a:bodyPr vert="horz" lIns="91440" tIns="45720" rIns="91440" bIns="45720" rtlCol="0" anchor="b"/>
+          <a:lstStyle>
+            <a:lvl1pPr algn="l">
+              <a:defRPr sz="1200"/>
+            </a:lvl1pPr>
+          </a:lstStyle>
+          <a:p>
+            <a:endParaRPr lang="en-IE"/>
+          </a:p>
+        </p:txBody>
+      </p:sp>
+      <p:sp>
+        <p:nvSpPr>
+          <p:cNvPr id="7" name="Slide Number Placeholder 6"/>
+          <p:cNvSpPr>
+            <a:spLocks noGrp="1"/>
+          </p:cNvSpPr>
+          <p:nvPr>
+            <p:ph type="sldNum" sz="quarter" idx="5"/>
+          </p:nvPr>
+        </p:nvSpPr>
+        <p:spPr>
+          <a:xfrm>
+            <a:off x="3884613" y="8685213"/>
+            <a:ext cx="2971800" cy="458787"/>
+          </a:xfrm>
+          <a:prstGeom prst="rect">
+            <a:avLst/>
+          </a:prstGeom>
+        </p:spPr>
+        <p:txBody>
+          <a:bodyPr vert="horz" lIns="91440" tIns="45720" rIns="91440" bIns="45720" rtlCol="0" anchor="b"/>
+          <a:lstStyle>
+            <a:lvl1pPr algn="r">
+              <a:defRPr sz="1200"/>
+            </a:lvl1pPr>
+          </a:lstStyle>
+          <a:p>
+            <a:fld id="{AEEC2826-9D05-43BE-BC76-4F1C0E0AA2BE}" type="slidenum">
+              <a:rPr lang="en-IE" smtClean="0"/>
+              <a:t>‹#›</a:t>
+            </a:fld>
+            <a:endParaRPr lang="en-IE"/>
+          </a:p>
+        </p:txBody>
+      </p:sp>
+    </p:spTree>
+    <p:extLst>
+      <p:ext uri="{BB962C8B-B14F-4D97-AF65-F5344CB8AC3E}">
+        <p14:creationId xmlns:p14="http://schemas.microsoft.com/office/powerpoint/2010/main" val="51577582"/>
+      </p:ext>
+    </p:extLst>
+  </p:cSld>
+  <p:clrMap bg1="lt1" tx1="dk1" bg2="lt2" tx2="dk2" accent1="accent1" accent2="accent2" accent3="accent3" accent4="accent4" accent5="accent5" accent6="accent6" hlink="hlink" folHlink="folHlink"/>
+  <p:notesStyle>
+    <a:lvl1pPr marL="0" algn="l" defTabSz="914400" rtl="0" eaLnBrk="1" latinLnBrk="0" hangingPunct="1">
+      <a:defRPr sz="1200" kern="1200">
+        <a:solidFill>
+          <a:schemeClr val="tx1"/>
+        </a:solidFill>
+        <a:latin typeface="+mn-lt"/>
+        <a:ea typeface="+mn-ea"/>
+        <a:cs typeface="+mn-cs"/>
+      </a:defRPr>
+    </a:lvl1pPr>
+    <a:lvl2pPr marL="457200" algn="l" defTabSz="914400" rtl="0" eaLnBrk="1" latinLnBrk="0" hangingPunct="1">
+      <a:defRPr sz="1200" kern="1200">
+        <a:solidFill>
+          <a:schemeClr val="tx1"/>
+        </a:solidFill>
+        <a:latin typeface="+mn-lt"/>
+        <a:ea typeface="+mn-ea"/>
+        <a:cs typeface="+mn-cs"/>
+      </a:defRPr>
+    </a:lvl2pPr>
+    <a:lvl3pPr marL="914400" algn="l" defTabSz="914400" rtl="0" eaLnBrk="1" latinLnBrk="0" hangingPunct="1">
+      <a:defRPr sz="1200" kern="1200">
+        <a:solidFill>
+          <a:schemeClr val="tx1"/>
+        </a:solidFill>
+        <a:latin typeface="+mn-lt"/>
+        <a:ea typeface="+mn-ea"/>
+        <a:cs typeface="+mn-cs"/>
+      </a:defRPr>
+    </a:lvl3pPr>
+    <a:lvl4pPr marL="1371600" algn="l" defTabSz="914400" rtl="0" eaLnBrk="1" latinLnBrk="0" hangingPunct="1">
+      <a:defRPr sz="1200" kern="1200">
+        <a:solidFill>
+          <a:schemeClr val="tx1"/>
+        </a:solidFill>
+        <a:latin typeface="+mn-lt"/>
+        <a:ea typeface="+mn-ea"/>
+        <a:cs typeface="+mn-cs"/>
+      </a:defRPr>
+    </a:lvl4pPr>
+    <a:lvl5pPr marL="1828800" algn="l" defTabSz="914400" rtl="0" eaLnBrk="1" latinLnBrk="0" hangingPunct="1">
+      <a:defRPr sz="1200" kern="1200">
+        <a:solidFill>
+          <a:schemeClr val="tx1"/>
+        </a:solidFill>
+        <a:latin typeface="+mn-lt"/>
+        <a:ea typeface="+mn-ea"/>
+        <a:cs typeface="+mn-cs"/>
+      </a:defRPr>
+    </a:lvl5pPr>
+    <a:lvl6pPr marL="2286000" algn="l" defTabSz="914400" rtl="0" eaLnBrk="1" latinLnBrk="0" hangingPunct="1">
+      <a:defRPr sz="1200" kern="1200">
+        <a:solidFill>
+          <a:schemeClr val="tx1"/>
+        </a:solidFill>
+        <a:latin typeface="+mn-lt"/>
+        <a:ea typeface="+mn-ea"/>
+        <a:cs typeface="+mn-cs"/>
+      </a:defRPr>
+    </a:lvl6pPr>
+    <a:lvl7pPr marL="2743200" algn="l" defTabSz="914400" rtl="0" eaLnBrk="1" latinLnBrk="0" hangingPunct="1">
+      <a:defRPr sz="1200" kern="1200">
+        <a:solidFill>
+          <a:schemeClr val="tx1"/>
+        </a:solidFill>
+        <a:latin typeface="+mn-lt"/>
+        <a:ea typeface="+mn-ea"/>
+        <a:cs typeface="+mn-cs"/>
+      </a:defRPr>
+    </a:lvl7pPr>
+    <a:lvl8pPr marL="3200400" algn="l" defTabSz="914400" rtl="0" eaLnBrk="1" latinLnBrk="0" hangingPunct="1">
+      <a:defRPr sz="1200" kern="1200">
+        <a:solidFill>
+          <a:schemeClr val="tx1"/>
+        </a:solidFill>
+        <a:latin typeface="+mn-lt"/>
+        <a:ea typeface="+mn-ea"/>
+        <a:cs typeface="+mn-cs"/>
+      </a:defRPr>
+    </a:lvl8pPr>
+    <a:lvl9pPr marL="3657600" algn="l" defTabSz="914400" rtl="0" eaLnBrk="1" latinLnBrk="0" hangingPunct="1">
+      <a:defRPr sz="1200" kern="1200">
+        <a:solidFill>
+          <a:schemeClr val="tx1"/>
+        </a:solidFill>
+        <a:latin typeface="+mn-lt"/>
+        <a:ea typeface="+mn-ea"/>
+        <a:cs typeface="+mn-cs"/>
+      </a:defRPr>
+    </a:lvl9pPr>
+  </p:notesStyle>
+</p:notesMaster>
+</file>
+
+<file path=ppt/notesSlides/notesSlide1.xml><?xml version="1.0" encoding="utf-8"?>
+<p:notes xmlns:a="http://schemas.openxmlformats.org/drawingml/2006/main" xmlns:r="http://schemas.openxmlformats.org/officeDocument/2006/relationships" xmlns:p="http://schemas.openxmlformats.org/presentationml/2006/main">
+  <p:cSld>
+    <p:spTree>
+      <p:nvGrpSpPr>
+        <p:cNvPr id="1" name=""/>
+        <p:cNvGrpSpPr/>
+        <p:nvPr/>
+      </p:nvGrpSpPr>
+      <p:grpSpPr>
+        <a:xfrm>
+          <a:off x="0" y="0"/>
+          <a:ext cx="0" cy="0"/>
+          <a:chOff x="0" y="0"/>
+          <a:chExt cx="0" cy="0"/>
+        </a:xfrm>
+      </p:grpSpPr>
+      <p:sp>
+        <p:nvSpPr>
+          <p:cNvPr id="2" name="Slide Image Placeholder 1"/>
+          <p:cNvSpPr>
+            <a:spLocks noGrp="1" noRot="1" noChangeAspect="1"/>
+          </p:cNvSpPr>
+          <p:nvPr>
+            <p:ph type="sldImg"/>
+          </p:nvPr>
+        </p:nvSpPr>
+        <p:spPr/>
+      </p:sp>
+      <p:sp>
+        <p:nvSpPr>
+          <p:cNvPr id="3" name="Notes Placeholder 2"/>
+          <p:cNvSpPr>
+            <a:spLocks noGrp="1"/>
+          </p:cNvSpPr>
+          <p:nvPr>
+            <p:ph type="body" idx="1"/>
+          </p:nvPr>
+        </p:nvSpPr>
+        <p:spPr/>
+        <p:txBody>
+          <a:bodyPr/>
+          <a:lstStyle/>
+          <a:p>
+            <a:pPr algn="l"/>
+            <a:r>
+              <a:rPr lang="en-GB" b="0" i="0" dirty="0" err="1">
+                <a:solidFill>
+                  <a:srgbClr val="374151"/>
+                </a:solidFill>
+                <a:effectLst/>
+                <a:latin typeface="Söhne"/>
+              </a:rPr>
+              <a:t>Behavior</a:t>
+            </a:r>
+            <a:r>
+              <a:rPr lang="en-GB" b="0" i="0" dirty="0">
+                <a:solidFill>
+                  <a:srgbClr val="374151"/>
+                </a:solidFill>
+                <a:effectLst/>
+                <a:latin typeface="Söhne"/>
+              </a:rPr>
+              <a:t>-Driven Development (BDD) and Test-Driven Development (TDD) are two software development methodologies that focus on improving the quality and reliability of software. Although they share some similarities, there are key differences between the two approaches:</a:t>
+            </a:r>
+          </a:p>
+          <a:p>
+            <a:pPr algn="l">
+              <a:buFont typeface="+mj-lt"/>
+              <a:buAutoNum type="arabicPeriod"/>
+            </a:pPr>
+            <a:r>
+              <a:rPr lang="en-GB" b="0" i="0" dirty="0">
+                <a:solidFill>
+                  <a:srgbClr val="374151"/>
+                </a:solidFill>
+                <a:effectLst/>
+                <a:latin typeface="Söhne"/>
+              </a:rPr>
+              <a:t>Focus and goals:</a:t>
+            </a:r>
+          </a:p>
+          <a:p>
+            <a:pPr marL="742950" lvl="1" indent="-285750" algn="l">
+              <a:buFont typeface="+mj-lt"/>
+              <a:buAutoNum type="arabicPeriod"/>
+            </a:pPr>
+            <a:r>
+              <a:rPr lang="en-GB" b="0" i="0" dirty="0">
+                <a:solidFill>
+                  <a:srgbClr val="374151"/>
+                </a:solidFill>
+                <a:effectLst/>
+                <a:latin typeface="Söhne"/>
+              </a:rPr>
+              <a:t>BDD is focused on the </a:t>
+            </a:r>
+            <a:r>
+              <a:rPr lang="en-GB" b="0" i="0" dirty="0" err="1">
+                <a:solidFill>
+                  <a:srgbClr val="374151"/>
+                </a:solidFill>
+                <a:effectLst/>
+                <a:latin typeface="Söhne"/>
+              </a:rPr>
+              <a:t>behavior</a:t>
+            </a:r>
+            <a:r>
+              <a:rPr lang="en-GB" b="0" i="0" dirty="0">
+                <a:solidFill>
+                  <a:srgbClr val="374151"/>
+                </a:solidFill>
+                <a:effectLst/>
+                <a:latin typeface="Söhne"/>
+              </a:rPr>
+              <a:t> of the application from the user's perspective. It aims to improve communication between developers, testers, and business stakeholders by providing a common language that all can understand. The goal is to ensure that the software meets the desired business outcomes.</a:t>
+            </a:r>
+          </a:p>
+          <a:p>
+            <a:pPr marL="742950" lvl="1" indent="-285750" algn="l">
+              <a:buFont typeface="+mj-lt"/>
+              <a:buAutoNum type="arabicPeriod"/>
+            </a:pPr>
+            <a:r>
+              <a:rPr lang="en-GB" b="0" i="0" dirty="0">
+                <a:solidFill>
+                  <a:srgbClr val="374151"/>
+                </a:solidFill>
+                <a:effectLst/>
+                <a:latin typeface="Söhne"/>
+              </a:rPr>
+              <a:t>TDD, on the other hand, is focused on the developer's perspective. It aims to create a solid foundation of test cases that guide the development process, ensuring that each piece of code is tested before it is integrated into the system. The goal is to produce clean, efficient, and maintainable code.</a:t>
+            </a:r>
+          </a:p>
+          <a:p>
+            <a:pPr algn="l">
+              <a:buFont typeface="+mj-lt"/>
+              <a:buAutoNum type="arabicPeriod"/>
+            </a:pPr>
+            <a:r>
+              <a:rPr lang="en-GB" b="0" i="0" dirty="0">
+                <a:solidFill>
+                  <a:srgbClr val="374151"/>
+                </a:solidFill>
+                <a:effectLst/>
+                <a:latin typeface="Söhne"/>
+              </a:rPr>
+              <a:t>Test structure:</a:t>
+            </a:r>
+          </a:p>
+          <a:p>
+            <a:pPr marL="742950" lvl="1" indent="-285750" algn="l">
+              <a:buFont typeface="+mj-lt"/>
+              <a:buAutoNum type="arabicPeriod"/>
+            </a:pPr>
+            <a:r>
+              <a:rPr lang="en-GB" b="0" i="0" dirty="0">
+                <a:solidFill>
+                  <a:srgbClr val="374151"/>
+                </a:solidFill>
+                <a:effectLst/>
+                <a:latin typeface="Söhne"/>
+              </a:rPr>
+              <a:t>BDD tests are written in a more natural language format using tools like Cucumber or </a:t>
+            </a:r>
+            <a:r>
+              <a:rPr lang="en-GB" b="0" i="0" dirty="0" err="1">
+                <a:solidFill>
+                  <a:srgbClr val="374151"/>
+                </a:solidFill>
+                <a:effectLst/>
+                <a:latin typeface="Söhne"/>
+              </a:rPr>
+              <a:t>SpecFlow</a:t>
+            </a:r>
+            <a:r>
+              <a:rPr lang="en-GB" b="0" i="0" dirty="0">
+                <a:solidFill>
+                  <a:srgbClr val="374151"/>
+                </a:solidFill>
+                <a:effectLst/>
+                <a:latin typeface="Söhne"/>
+              </a:rPr>
+              <a:t>. These tools use a syntax called Gherkin, which allows tests to be written in a structured, plain-English format that is easy for non-technical stakeholders to understand. This makes it easier for developers, testers, and business stakeholders to collaborate on defining the desired </a:t>
+            </a:r>
+            <a:r>
+              <a:rPr lang="en-GB" b="0" i="0" dirty="0" err="1">
+                <a:solidFill>
+                  <a:srgbClr val="374151"/>
+                </a:solidFill>
+                <a:effectLst/>
+                <a:latin typeface="Söhne"/>
+              </a:rPr>
+              <a:t>behavior</a:t>
+            </a:r>
+            <a:r>
+              <a:rPr lang="en-GB" b="0" i="0" dirty="0">
+                <a:solidFill>
+                  <a:srgbClr val="374151"/>
+                </a:solidFill>
+                <a:effectLst/>
+                <a:latin typeface="Söhne"/>
+              </a:rPr>
+              <a:t> of the application.</a:t>
+            </a:r>
+          </a:p>
+          <a:p>
+            <a:pPr marL="742950" lvl="1" indent="-285750" algn="l">
+              <a:buFont typeface="+mj-lt"/>
+              <a:buAutoNum type="arabicPeriod"/>
+            </a:pPr>
+            <a:r>
+              <a:rPr lang="en-GB" b="0" i="0" dirty="0">
+                <a:solidFill>
+                  <a:srgbClr val="374151"/>
+                </a:solidFill>
+                <a:effectLst/>
+                <a:latin typeface="Söhne"/>
+              </a:rPr>
+              <a:t>TDD tests are typically written in the same programming language as the code being tested, using unit testing frameworks like JUnit or </a:t>
+            </a:r>
+            <a:r>
+              <a:rPr lang="en-GB" b="0" i="0" dirty="0" err="1">
+                <a:solidFill>
+                  <a:srgbClr val="374151"/>
+                </a:solidFill>
+                <a:effectLst/>
+                <a:latin typeface="Söhne"/>
+              </a:rPr>
+              <a:t>NUnit</a:t>
+            </a:r>
+            <a:r>
+              <a:rPr lang="en-GB" b="0" i="0" dirty="0">
+                <a:solidFill>
+                  <a:srgbClr val="374151"/>
+                </a:solidFill>
+                <a:effectLst/>
+                <a:latin typeface="Söhne"/>
+              </a:rPr>
+              <a:t>. The tests are more focused on individual functions and methods, making them more technical and less accessible to non-technical stakeholders.</a:t>
+            </a:r>
+          </a:p>
+          <a:p>
+            <a:pPr algn="l">
+              <a:buFont typeface="+mj-lt"/>
+              <a:buAutoNum type="arabicPeriod"/>
+            </a:pPr>
+            <a:r>
+              <a:rPr lang="en-GB" b="0" i="0" dirty="0">
+                <a:solidFill>
+                  <a:srgbClr val="374151"/>
+                </a:solidFill>
+                <a:effectLst/>
+                <a:latin typeface="Söhne"/>
+              </a:rPr>
+              <a:t>Process:</a:t>
+            </a:r>
+          </a:p>
+          <a:p>
+            <a:pPr marL="742950" lvl="1" indent="-285750" algn="l">
+              <a:buFont typeface="+mj-lt"/>
+              <a:buAutoNum type="arabicPeriod"/>
+            </a:pPr>
+            <a:r>
+              <a:rPr lang="en-GB" b="0" i="0" dirty="0">
+                <a:solidFill>
+                  <a:srgbClr val="374151"/>
+                </a:solidFill>
+                <a:effectLst/>
+                <a:latin typeface="Söhne"/>
+              </a:rPr>
+              <a:t>In BDD, the process starts by defining the expected </a:t>
+            </a:r>
+            <a:r>
+              <a:rPr lang="en-GB" b="0" i="0" dirty="0" err="1">
+                <a:solidFill>
+                  <a:srgbClr val="374151"/>
+                </a:solidFill>
+                <a:effectLst/>
+                <a:latin typeface="Söhne"/>
+              </a:rPr>
+              <a:t>behavior</a:t>
+            </a:r>
+            <a:r>
+              <a:rPr lang="en-GB" b="0" i="0" dirty="0">
+                <a:solidFill>
+                  <a:srgbClr val="374151"/>
+                </a:solidFill>
+                <a:effectLst/>
+                <a:latin typeface="Söhne"/>
+              </a:rPr>
+              <a:t> of the system in collaboration with business stakeholders. These </a:t>
+            </a:r>
+            <a:r>
+              <a:rPr lang="en-GB" b="0" i="0" dirty="0" err="1">
+                <a:solidFill>
+                  <a:srgbClr val="374151"/>
+                </a:solidFill>
+                <a:effectLst/>
+                <a:latin typeface="Söhne"/>
+              </a:rPr>
+              <a:t>behaviors</a:t>
+            </a:r>
+            <a:r>
+              <a:rPr lang="en-GB" b="0" i="0" dirty="0">
+                <a:solidFill>
+                  <a:srgbClr val="374151"/>
+                </a:solidFill>
+                <a:effectLst/>
+                <a:latin typeface="Söhne"/>
+              </a:rPr>
+              <a:t> are then translated into scenarios, which are broken down into a series of steps. Developers then write code to implement the steps, and tests are created to verify the correct </a:t>
+            </a:r>
+            <a:r>
+              <a:rPr lang="en-GB" b="0" i="0" dirty="0" err="1">
+                <a:solidFill>
+                  <a:srgbClr val="374151"/>
+                </a:solidFill>
+                <a:effectLst/>
+                <a:latin typeface="Söhne"/>
+              </a:rPr>
+              <a:t>behavior</a:t>
+            </a:r>
+            <a:r>
+              <a:rPr lang="en-GB" b="0" i="0" dirty="0">
+                <a:solidFill>
+                  <a:srgbClr val="374151"/>
+                </a:solidFill>
+                <a:effectLst/>
+                <a:latin typeface="Söhne"/>
+              </a:rPr>
+              <a:t>.</a:t>
+            </a:r>
+          </a:p>
+          <a:p>
+            <a:pPr marL="742950" lvl="1" indent="-285750" algn="l">
+              <a:buFont typeface="+mj-lt"/>
+              <a:buAutoNum type="arabicPeriod"/>
+            </a:pPr>
+            <a:r>
+              <a:rPr lang="en-GB" b="0" i="0" dirty="0">
+                <a:solidFill>
+                  <a:srgbClr val="374151"/>
+                </a:solidFill>
+                <a:effectLst/>
+                <a:latin typeface="Söhne"/>
+              </a:rPr>
+              <a:t>In TDD, the process starts with writing a failing test case for a specific functionality. Developers then write code to make the test pass, and once the test passes, they refactor the code to improve its quality. This cycle of writing a failing test, making it pass, and refactoring is repeated until the desired functionality is achieved.</a:t>
+            </a:r>
+          </a:p>
+          <a:p>
+            <a:pPr algn="l"/>
+            <a:r>
+              <a:rPr lang="en-GB" b="0" i="0" dirty="0">
+                <a:solidFill>
+                  <a:srgbClr val="374151"/>
+                </a:solidFill>
+                <a:effectLst/>
+                <a:latin typeface="Söhne"/>
+              </a:rPr>
+              <a:t>In summary, BDD emphasizes collaboration, communication, and the definition of software </a:t>
+            </a:r>
+            <a:r>
+              <a:rPr lang="en-GB" b="0" i="0" dirty="0" err="1">
+                <a:solidFill>
+                  <a:srgbClr val="374151"/>
+                </a:solidFill>
+                <a:effectLst/>
+                <a:latin typeface="Söhne"/>
+              </a:rPr>
+              <a:t>behavior</a:t>
+            </a:r>
+            <a:r>
+              <a:rPr lang="en-GB" b="0" i="0" dirty="0">
+                <a:solidFill>
+                  <a:srgbClr val="374151"/>
+                </a:solidFill>
+                <a:effectLst/>
+                <a:latin typeface="Söhne"/>
+              </a:rPr>
+              <a:t> from the user's perspective, while TDD focuses on writing tests first to guide the development process and ensure code quality. Both methodologies have their benefits and can be used together or separately, depending on the project requirements and team preferences.</a:t>
+            </a:r>
+          </a:p>
+          <a:p>
+            <a:endParaRPr lang="en-IE" dirty="0"/>
+          </a:p>
+          <a:p>
+            <a:r>
+              <a:rPr lang="en-IE"/>
+              <a:t>Cucumber</a:t>
+            </a:r>
+            <a:endParaRPr lang="en-IE" dirty="0"/>
+          </a:p>
+        </p:txBody>
+      </p:sp>
+      <p:sp>
+        <p:nvSpPr>
+          <p:cNvPr id="4" name="Slide Number Placeholder 3"/>
+          <p:cNvSpPr>
+            <a:spLocks noGrp="1"/>
+          </p:cNvSpPr>
+          <p:nvPr>
+            <p:ph type="sldNum" sz="quarter" idx="5"/>
+          </p:nvPr>
+        </p:nvSpPr>
+        <p:spPr/>
+        <p:txBody>
+          <a:bodyPr/>
+          <a:lstStyle/>
+          <a:p>
+            <a:fld id="{AEEC2826-9D05-43BE-BC76-4F1C0E0AA2BE}" type="slidenum">
+              <a:rPr lang="en-IE" smtClean="0"/>
+              <a:t>10</a:t>
+            </a:fld>
+            <a:endParaRPr lang="en-IE"/>
+          </a:p>
+        </p:txBody>
+      </p:sp>
+    </p:spTree>
+    <p:extLst>
+      <p:ext uri="{BB962C8B-B14F-4D97-AF65-F5344CB8AC3E}">
+        <p14:creationId xmlns:p14="http://schemas.microsoft.com/office/powerpoint/2010/main" val="728302938"/>
+      </p:ext>
+    </p:extLst>
+  </p:cSld>
+  <p:clrMapOvr>
+    <a:masterClrMapping/>
+  </p:clrMapOvr>
+</p:notes>
+</file>
+
+<file path=ppt/notesSlides/notesSlide2.xml><?xml version="1.0" encoding="utf-8"?>
+<p:notes xmlns:a="http://schemas.openxmlformats.org/drawingml/2006/main" xmlns:r="http://schemas.openxmlformats.org/officeDocument/2006/relationships" xmlns:p="http://schemas.openxmlformats.org/presentationml/2006/main">
+  <p:cSld>
+    <p:spTree>
+      <p:nvGrpSpPr>
+        <p:cNvPr id="1" name=""/>
+        <p:cNvGrpSpPr/>
+        <p:nvPr/>
+      </p:nvGrpSpPr>
+      <p:grpSpPr>
+        <a:xfrm>
+          <a:off x="0" y="0"/>
+          <a:ext cx="0" cy="0"/>
+          <a:chOff x="0" y="0"/>
+          <a:chExt cx="0" cy="0"/>
+        </a:xfrm>
+      </p:grpSpPr>
+      <p:sp>
+        <p:nvSpPr>
+          <p:cNvPr id="2" name="Slide Image Placeholder 1"/>
+          <p:cNvSpPr>
+            <a:spLocks noGrp="1" noRot="1" noChangeAspect="1"/>
+          </p:cNvSpPr>
+          <p:nvPr>
+            <p:ph type="sldImg"/>
+          </p:nvPr>
+        </p:nvSpPr>
+        <p:spPr/>
+      </p:sp>
+      <p:sp>
+        <p:nvSpPr>
+          <p:cNvPr id="3" name="Notes Placeholder 2"/>
+          <p:cNvSpPr>
+            <a:spLocks noGrp="1"/>
+          </p:cNvSpPr>
+          <p:nvPr>
+            <p:ph type="body" idx="1"/>
+          </p:nvPr>
+        </p:nvSpPr>
+        <p:spPr/>
+        <p:txBody>
+          <a:bodyPr/>
+          <a:lstStyle/>
+          <a:p>
+            <a:endParaRPr lang="en-IE" dirty="0"/>
+          </a:p>
+        </p:txBody>
+      </p:sp>
+      <p:sp>
+        <p:nvSpPr>
+          <p:cNvPr id="4" name="Slide Number Placeholder 3"/>
+          <p:cNvSpPr>
+            <a:spLocks noGrp="1"/>
+          </p:cNvSpPr>
+          <p:nvPr>
+            <p:ph type="sldNum" sz="quarter" idx="5"/>
+          </p:nvPr>
+        </p:nvSpPr>
+        <p:spPr/>
+        <p:txBody>
+          <a:bodyPr/>
+          <a:lstStyle/>
+          <a:p>
+            <a:fld id="{AEEC2826-9D05-43BE-BC76-4F1C0E0AA2BE}" type="slidenum">
+              <a:rPr lang="en-IE" smtClean="0"/>
+              <a:t>12</a:t>
+            </a:fld>
+            <a:endParaRPr lang="en-IE"/>
+          </a:p>
+        </p:txBody>
+      </p:sp>
+    </p:spTree>
+    <p:extLst>
+      <p:ext uri="{BB962C8B-B14F-4D97-AF65-F5344CB8AC3E}">
+        <p14:creationId xmlns:p14="http://schemas.microsoft.com/office/powerpoint/2010/main" val="1436429861"/>
+      </p:ext>
+    </p:extLst>
+  </p:cSld>
+  <p:clrMapOvr>
+    <a:masterClrMapping/>
+  </p:clrMapOvr>
+</p:notes>
+</file>
+
 <file path=ppt/slideLayouts/slideLayout1.xml><?xml version="1.0" encoding="utf-8"?>
 <p:sldLayout xmlns:a="http://schemas.openxmlformats.org/drawingml/2006/main" xmlns:r="http://schemas.openxmlformats.org/officeDocument/2006/relationships" xmlns:p="http://schemas.openxmlformats.org/presentationml/2006/main" type="title" preserve="1">
   <p:cSld name="Title Slide">
@@ -9420,7 +10288,7 @@
           <p:nvPr/>
         </p:nvPicPr>
         <p:blipFill>
-          <a:blip r:embed="rId2"/>
+          <a:blip r:embed="rId3"/>
           <a:stretch>
             <a:fillRect/>
           </a:stretch>
@@ -14286,7 +15154,7 @@
                   <a:srgbClr val="FFFFFF"/>
                 </a:solidFill>
               </a:rPr>
-              <a:t>Separate units work together</a:t>
+              <a:t>Separate units/components work together</a:t>
             </a:r>
           </a:p>
           <a:p>
@@ -16286,4 +17154,299 @@
     </a:ext>
   </a:extLst>
 </a:theme>
+</file>
+
+<file path=ppt/theme/theme2.xml><?xml version="1.0" encoding="utf-8"?>
+<a:theme xmlns:a="http://schemas.openxmlformats.org/drawingml/2006/main" name="Office Theme">
+  <a:themeElements>
+    <a:clrScheme name="Office">
+      <a:dk1>
+        <a:sysClr val="windowText" lastClr="000000"/>
+      </a:dk1>
+      <a:lt1>
+        <a:sysClr val="window" lastClr="FFFFFF"/>
+      </a:lt1>
+      <a:dk2>
+        <a:srgbClr val="44546A"/>
+      </a:dk2>
+      <a:lt2>
+        <a:srgbClr val="E7E6E6"/>
+      </a:lt2>
+      <a:accent1>
+        <a:srgbClr val="4472C4"/>
+      </a:accent1>
+      <a:accent2>
+        <a:srgbClr val="ED7D31"/>
+      </a:accent2>
+      <a:accent3>
+        <a:srgbClr val="A5A5A5"/>
+      </a:accent3>
+      <a:accent4>
+        <a:srgbClr val="FFC000"/>
+      </a:accent4>
+      <a:accent5>
+        <a:srgbClr val="5B9BD5"/>
+      </a:accent5>
+      <a:accent6>
+        <a:srgbClr val="70AD47"/>
+      </a:accent6>
+      <a:hlink>
+        <a:srgbClr val="0563C1"/>
+      </a:hlink>
+      <a:folHlink>
+        <a:srgbClr val="954F72"/>
+      </a:folHlink>
+    </a:clrScheme>
+    <a:fontScheme name="Office">
+      <a:majorFont>
+        <a:latin typeface="Calibri Light" panose="020F0302020204030204"/>
+        <a:ea typeface=""/>
+        <a:cs typeface=""/>
+        <a:font script="Jpan" typeface="游ゴシック Light"/>
+        <a:font script="Hang" typeface="맑은 고딕"/>
+        <a:font script="Hans" typeface="等线 Light"/>
+        <a:font script="Hant" typeface="新細明體"/>
+        <a:font script="Arab" typeface="Times New Roman"/>
+        <a:font script="Hebr" typeface="Times New Roman"/>
+        <a:font script="Thai" typeface="Angsana New"/>
+        <a:font script="Ethi" typeface="Nyala"/>
+        <a:font script="Beng" typeface="Vrinda"/>
+        <a:font script="Gujr" typeface="Shruti"/>
+        <a:font script="Khmr" typeface="MoolBoran"/>
+        <a:font script="Knda" typeface="Tunga"/>
+        <a:font script="Guru" typeface="Raavi"/>
+        <a:font script="Cans" typeface="Euphemia"/>
+        <a:font script="Cher" typeface="Plantagenet Cherokee"/>
+        <a:font script="Yiii" typeface="Microsoft Yi Baiti"/>
+        <a:font script="Tibt" typeface="Microsoft Himalaya"/>
+        <a:font script="Thaa" typeface="MV Boli"/>
+        <a:font script="Deva" typeface="Mangal"/>
+        <a:font script="Telu" typeface="Gautami"/>
+        <a:font script="Taml" typeface="Latha"/>
+        <a:font script="Syrc" typeface="Estrangelo Edessa"/>
+        <a:font script="Orya" typeface="Kalinga"/>
+        <a:font script="Mlym" typeface="Kartika"/>
+        <a:font script="Laoo" typeface="DokChampa"/>
+        <a:font script="Sinh" typeface="Iskoola Pota"/>
+        <a:font script="Mong" typeface="Mongolian Baiti"/>
+        <a:font script="Viet" typeface="Times New Roman"/>
+        <a:font script="Uigh" typeface="Microsoft Uighur"/>
+        <a:font script="Geor" typeface="Sylfaen"/>
+        <a:font script="Armn" typeface="Arial"/>
+        <a:font script="Bugi" typeface="Leelawadee UI"/>
+        <a:font script="Bopo" typeface="Microsoft JhengHei"/>
+        <a:font script="Java" typeface="Javanese Text"/>
+        <a:font script="Lisu" typeface="Segoe UI"/>
+        <a:font script="Mymr" typeface="Myanmar Text"/>
+        <a:font script="Nkoo" typeface="Ebrima"/>
+        <a:font script="Olck" typeface="Nirmala UI"/>
+        <a:font script="Osma" typeface="Ebrima"/>
+        <a:font script="Phag" typeface="Phagspa"/>
+        <a:font script="Syrn" typeface="Estrangelo Edessa"/>
+        <a:font script="Syrj" typeface="Estrangelo Edessa"/>
+        <a:font script="Syre" typeface="Estrangelo Edessa"/>
+        <a:font script="Sora" typeface="Nirmala UI"/>
+        <a:font script="Tale" typeface="Microsoft Tai Le"/>
+        <a:font script="Talu" typeface="Microsoft New Tai Lue"/>
+        <a:font script="Tfng" typeface="Ebrima"/>
+      </a:majorFont>
+      <a:minorFont>
+        <a:latin typeface="Calibri" panose="020F0502020204030204"/>
+        <a:ea typeface=""/>
+        <a:cs typeface=""/>
+        <a:font script="Jpan" typeface="游ゴシック"/>
+        <a:font script="Hang" typeface="맑은 고딕"/>
+        <a:font script="Hans" typeface="等线"/>
+        <a:font script="Hant" typeface="新細明體"/>
+        <a:font script="Arab" typeface="Arial"/>
+        <a:font script="Hebr" typeface="Arial"/>
+        <a:font script="Thai" typeface="Cordia New"/>
+        <a:font script="Ethi" typeface="Nyala"/>
+        <a:font script="Beng" typeface="Vrinda"/>
+        <a:font script="Gujr" typeface="Shruti"/>
+        <a:font script="Khmr" typeface="DaunPenh"/>
+        <a:font script="Knda" typeface="Tunga"/>
+        <a:font script="Guru" typeface="Raavi"/>
+        <a:font script="Cans" typeface="Euphemia"/>
+        <a:font script="Cher" typeface="Plantagenet Cherokee"/>
+        <a:font script="Yiii" typeface="Microsoft Yi Baiti"/>
+        <a:font script="Tibt" typeface="Microsoft Himalaya"/>
+        <a:font script="Thaa" typeface="MV Boli"/>
+        <a:font script="Deva" typeface="Mangal"/>
+        <a:font script="Telu" typeface="Gautami"/>
+        <a:font script="Taml" typeface="Latha"/>
+        <a:font script="Syrc" typeface="Estrangelo Edessa"/>
+        <a:font script="Orya" typeface="Kalinga"/>
+        <a:font script="Mlym" typeface="Kartika"/>
+        <a:font script="Laoo" typeface="DokChampa"/>
+        <a:font script="Sinh" typeface="Iskoola Pota"/>
+        <a:font script="Mong" typeface="Mongolian Baiti"/>
+        <a:font script="Viet" typeface="Arial"/>
+        <a:font script="Uigh" typeface="Microsoft Uighur"/>
+        <a:font script="Geor" typeface="Sylfaen"/>
+        <a:font script="Armn" typeface="Arial"/>
+        <a:font script="Bugi" typeface="Leelawadee UI"/>
+        <a:font script="Bopo" typeface="Microsoft JhengHei"/>
+        <a:font script="Java" typeface="Javanese Text"/>
+        <a:font script="Lisu" typeface="Segoe UI"/>
+        <a:font script="Mymr" typeface="Myanmar Text"/>
+        <a:font script="Nkoo" typeface="Ebrima"/>
+        <a:font script="Olck" typeface="Nirmala UI"/>
+        <a:font script="Osma" typeface="Ebrima"/>
+        <a:font script="Phag" typeface="Phagspa"/>
+        <a:font script="Syrn" typeface="Estrangelo Edessa"/>
+        <a:font script="Syrj" typeface="Estrangelo Edessa"/>
+        <a:font script="Syre" typeface="Estrangelo Edessa"/>
+        <a:font script="Sora" typeface="Nirmala UI"/>
+        <a:font script="Tale" typeface="Microsoft Tai Le"/>
+        <a:font script="Talu" typeface="Microsoft New Tai Lue"/>
+        <a:font script="Tfng" typeface="Ebrima"/>
+      </a:minorFont>
+    </a:fontScheme>
+    <a:fmtScheme name="Office">
+      <a:fillStyleLst>
+        <a:solidFill>
+          <a:schemeClr val="phClr"/>
+        </a:solidFill>
+        <a:gradFill rotWithShape="1">
+          <a:gsLst>
+            <a:gs pos="0">
+              <a:schemeClr val="phClr">
+                <a:lumMod val="110000"/>
+                <a:satMod val="105000"/>
+                <a:tint val="67000"/>
+              </a:schemeClr>
+            </a:gs>
+            <a:gs pos="50000">
+              <a:schemeClr val="phClr">
+                <a:lumMod val="105000"/>
+                <a:satMod val="103000"/>
+                <a:tint val="73000"/>
+              </a:schemeClr>
+            </a:gs>
+            <a:gs pos="100000">
+              <a:schemeClr val="phClr">
+                <a:lumMod val="105000"/>
+                <a:satMod val="109000"/>
+                <a:tint val="81000"/>
+              </a:schemeClr>
+            </a:gs>
+          </a:gsLst>
+          <a:lin ang="5400000" scaled="0"/>
+        </a:gradFill>
+        <a:gradFill rotWithShape="1">
+          <a:gsLst>
+            <a:gs pos="0">
+              <a:schemeClr val="phClr">
+                <a:satMod val="103000"/>
+                <a:lumMod val="102000"/>
+                <a:tint val="94000"/>
+              </a:schemeClr>
+            </a:gs>
+            <a:gs pos="50000">
+              <a:schemeClr val="phClr">
+                <a:satMod val="110000"/>
+                <a:lumMod val="100000"/>
+                <a:shade val="100000"/>
+              </a:schemeClr>
+            </a:gs>
+            <a:gs pos="100000">
+              <a:schemeClr val="phClr">
+                <a:lumMod val="99000"/>
+                <a:satMod val="120000"/>
+                <a:shade val="78000"/>
+              </a:schemeClr>
+            </a:gs>
+          </a:gsLst>
+          <a:lin ang="5400000" scaled="0"/>
+        </a:gradFill>
+      </a:fillStyleLst>
+      <a:lnStyleLst>
+        <a:ln w="6350" cap="flat" cmpd="sng" algn="ctr">
+          <a:solidFill>
+            <a:schemeClr val="phClr"/>
+          </a:solidFill>
+          <a:prstDash val="solid"/>
+          <a:miter lim="800000"/>
+        </a:ln>
+        <a:ln w="12700" cap="flat" cmpd="sng" algn="ctr">
+          <a:solidFill>
+            <a:schemeClr val="phClr"/>
+          </a:solidFill>
+          <a:prstDash val="solid"/>
+          <a:miter lim="800000"/>
+        </a:ln>
+        <a:ln w="19050" cap="flat" cmpd="sng" algn="ctr">
+          <a:solidFill>
+            <a:schemeClr val="phClr"/>
+          </a:solidFill>
+          <a:prstDash val="solid"/>
+          <a:miter lim="800000"/>
+        </a:ln>
+      </a:lnStyleLst>
+      <a:effectStyleLst>
+        <a:effectStyle>
+          <a:effectLst/>
+        </a:effectStyle>
+        <a:effectStyle>
+          <a:effectLst/>
+        </a:effectStyle>
+        <a:effectStyle>
+          <a:effectLst>
+            <a:outerShdw blurRad="57150" dist="19050" dir="5400000" algn="ctr" rotWithShape="0">
+              <a:srgbClr val="000000">
+                <a:alpha val="63000"/>
+              </a:srgbClr>
+            </a:outerShdw>
+          </a:effectLst>
+        </a:effectStyle>
+      </a:effectStyleLst>
+      <a:bgFillStyleLst>
+        <a:solidFill>
+          <a:schemeClr val="phClr"/>
+        </a:solidFill>
+        <a:solidFill>
+          <a:schemeClr val="phClr">
+            <a:tint val="95000"/>
+            <a:satMod val="170000"/>
+          </a:schemeClr>
+        </a:solidFill>
+        <a:gradFill rotWithShape="1">
+          <a:gsLst>
+            <a:gs pos="0">
+              <a:schemeClr val="phClr">
+                <a:tint val="93000"/>
+                <a:satMod val="150000"/>
+                <a:shade val="98000"/>
+                <a:lumMod val="102000"/>
+              </a:schemeClr>
+            </a:gs>
+            <a:gs pos="50000">
+              <a:schemeClr val="phClr">
+                <a:tint val="98000"/>
+                <a:satMod val="130000"/>
+                <a:shade val="90000"/>
+                <a:lumMod val="103000"/>
+              </a:schemeClr>
+            </a:gs>
+            <a:gs pos="100000">
+              <a:schemeClr val="phClr">
+                <a:shade val="63000"/>
+                <a:satMod val="120000"/>
+              </a:schemeClr>
+            </a:gs>
+          </a:gsLst>
+          <a:lin ang="5400000" scaled="0"/>
+        </a:gradFill>
+      </a:bgFillStyleLst>
+    </a:fmtScheme>
+  </a:themeElements>
+  <a:objectDefaults/>
+  <a:extraClrSchemeLst/>
+  <a:extLst>
+    <a:ext uri="{05A4C25C-085E-4340-85A3-A5531E510DB2}">
+      <thm15:themeFamily xmlns:thm15="http://schemas.microsoft.com/office/thememl/2012/main" name="Office Theme" id="{62F939B6-93AF-4DB8-9C6B-D6C7DFDC589F}" vid="{4A3C46E8-61CC-4603-A589-7422A47A8E4A}"/>
+    </a:ext>
+  </a:extLst>
+</a:theme>
 </file>